--- a/Park1t&Go.pptx
+++ b/Park1t&Go.pptx
@@ -5,10 +5,10 @@
     <p:sldMasterId id="2147483648" r:id="rId1"/>
   </p:sldMasterIdLst>
   <p:notesMasterIdLst>
-    <p:notesMasterId r:id="rId23"/>
+    <p:notesMasterId r:id="rId18"/>
   </p:notesMasterIdLst>
   <p:handoutMasterIdLst>
-    <p:handoutMasterId r:id="rId24"/>
+    <p:handoutMasterId r:id="rId19"/>
   </p:handoutMasterIdLst>
   <p:sldIdLst>
     <p:sldId id="257" r:id="rId2"/>
@@ -26,12 +26,7 @@
     <p:sldId id="274" r:id="rId14"/>
     <p:sldId id="263" r:id="rId15"/>
     <p:sldId id="277" r:id="rId16"/>
-    <p:sldId id="264" r:id="rId17"/>
-    <p:sldId id="265" r:id="rId18"/>
-    <p:sldId id="266" r:id="rId19"/>
-    <p:sldId id="267" r:id="rId20"/>
-    <p:sldId id="268" r:id="rId21"/>
-    <p:sldId id="269" r:id="rId22"/>
+    <p:sldId id="269" r:id="rId17"/>
   </p:sldIdLst>
   <p:sldSz cx="12192000" cy="6858000"/>
   <p:notesSz cx="6858000" cy="9144000"/>
@@ -3094,7 +3089,7 @@
             <a:pPr rtl="0"/>
             <a:fld id="{5D64ED7D-2366-43A2-9AE0-FAF420B0EB0E}" type="datetime1">
               <a:rPr lang="hu-HU" smtClean="0"/>
-              <a:t>2025. 05. 11.</a:t>
+              <a:t>2025. 05. 19.</a:t>
             </a:fld>
             <a:endParaRPr lang="hu-HU" dirty="0"/>
           </a:p>
@@ -3264,7 +3259,7 @@
             <a:pPr rtl="0"/>
             <a:fld id="{40E535FD-C828-49A5-9854-C447DB2225A6}" type="datetime1">
               <a:rPr lang="hu-HU" smtClean="0"/>
-              <a:t>2025. 05. 11.</a:t>
+              <a:t>2025. 05. 19.</a:t>
             </a:fld>
             <a:endParaRPr lang="hu-HU" dirty="0"/>
           </a:p>
@@ -4336,262 +4331,7 @@
     </p:spTree>
     <p:extLst>
       <p:ext uri="{BB962C8B-B14F-4D97-AF65-F5344CB8AC3E}">
-        <p14:creationId xmlns:p14="http://schemas.microsoft.com/office/powerpoint/2010/main" val="2173340733"/>
-      </p:ext>
-    </p:extLst>
-  </p:cSld>
-  <p:clrMapOvr>
-    <a:masterClrMapping/>
-  </p:clrMapOvr>
-</p:notes>
-</file>
-
-<file path=ppt/notesSlides/notesSlide17.xml><?xml version="1.0" encoding="utf-8"?>
-<p:notes xmlns:a="http://schemas.openxmlformats.org/drawingml/2006/main" xmlns:r="http://schemas.openxmlformats.org/officeDocument/2006/relationships" xmlns:p="http://schemas.openxmlformats.org/presentationml/2006/main">
-  <p:cSld>
-    <p:spTree>
-      <p:nvGrpSpPr>
-        <p:cNvPr id="1" name=""/>
-        <p:cNvGrpSpPr/>
-        <p:nvPr/>
-      </p:nvGrpSpPr>
-      <p:grpSpPr>
-        <a:xfrm>
-          <a:off x="0" y="0"/>
-          <a:ext cx="0" cy="0"/>
-          <a:chOff x="0" y="0"/>
-          <a:chExt cx="0" cy="0"/>
-        </a:xfrm>
-      </p:grpSpPr>
-      <p:sp>
-        <p:nvSpPr>
-          <p:cNvPr id="2" name="Diakép helye 1"/>
-          <p:cNvSpPr>
-            <a:spLocks noGrp="1" noRot="1" noChangeAspect="1"/>
-          </p:cNvSpPr>
-          <p:nvPr>
-            <p:ph type="sldImg"/>
-          </p:nvPr>
-        </p:nvSpPr>
-        <p:spPr/>
-      </p:sp>
-      <p:sp>
-        <p:nvSpPr>
-          <p:cNvPr id="3" name="Jegyzetek helye 2"/>
-          <p:cNvSpPr>
-            <a:spLocks noGrp="1"/>
-          </p:cNvSpPr>
-          <p:nvPr>
-            <p:ph type="body" idx="1"/>
-          </p:nvPr>
-        </p:nvSpPr>
-        <p:spPr/>
-        <p:txBody>
-          <a:bodyPr/>
-          <a:lstStyle/>
-          <a:p>
-            <a:endParaRPr lang="hu-HU"/>
-          </a:p>
-        </p:txBody>
-      </p:sp>
-      <p:sp>
-        <p:nvSpPr>
-          <p:cNvPr id="4" name="Dia számának helye 3"/>
-          <p:cNvSpPr>
-            <a:spLocks noGrp="1"/>
-          </p:cNvSpPr>
-          <p:nvPr>
-            <p:ph type="sldNum" sz="quarter" idx="10"/>
-          </p:nvPr>
-        </p:nvSpPr>
-        <p:spPr/>
-        <p:txBody>
-          <a:bodyPr/>
-          <a:lstStyle/>
-          <a:p>
-            <a:pPr rtl="0"/>
-            <a:fld id="{1B9A179D-2D27-49E2-B022-8EDDA2EFE682}" type="slidenum">
-              <a:rPr lang="hu-HU" smtClean="0"/>
-              <a:t>17</a:t>
-            </a:fld>
-            <a:endParaRPr lang="hu-HU" dirty="0"/>
-          </a:p>
-        </p:txBody>
-      </p:sp>
-    </p:spTree>
-    <p:extLst>
-      <p:ext uri="{BB962C8B-B14F-4D97-AF65-F5344CB8AC3E}">
-        <p14:creationId xmlns:p14="http://schemas.microsoft.com/office/powerpoint/2010/main" val="86582490"/>
-      </p:ext>
-    </p:extLst>
-  </p:cSld>
-  <p:clrMapOvr>
-    <a:masterClrMapping/>
-  </p:clrMapOvr>
-</p:notes>
-</file>
-
-<file path=ppt/notesSlides/notesSlide18.xml><?xml version="1.0" encoding="utf-8"?>
-<p:notes xmlns:a="http://schemas.openxmlformats.org/drawingml/2006/main" xmlns:r="http://schemas.openxmlformats.org/officeDocument/2006/relationships" xmlns:p="http://schemas.openxmlformats.org/presentationml/2006/main">
-  <p:cSld>
-    <p:spTree>
-      <p:nvGrpSpPr>
-        <p:cNvPr id="1" name=""/>
-        <p:cNvGrpSpPr/>
-        <p:nvPr/>
-      </p:nvGrpSpPr>
-      <p:grpSpPr>
-        <a:xfrm>
-          <a:off x="0" y="0"/>
-          <a:ext cx="0" cy="0"/>
-          <a:chOff x="0" y="0"/>
-          <a:chExt cx="0" cy="0"/>
-        </a:xfrm>
-      </p:grpSpPr>
-      <p:sp>
-        <p:nvSpPr>
-          <p:cNvPr id="2" name="Diakép helye 1"/>
-          <p:cNvSpPr>
-            <a:spLocks noGrp="1" noRot="1" noChangeAspect="1"/>
-          </p:cNvSpPr>
-          <p:nvPr>
-            <p:ph type="sldImg"/>
-          </p:nvPr>
-        </p:nvSpPr>
-        <p:spPr/>
-      </p:sp>
-      <p:sp>
-        <p:nvSpPr>
-          <p:cNvPr id="3" name="Jegyzetek helye 2"/>
-          <p:cNvSpPr>
-            <a:spLocks noGrp="1"/>
-          </p:cNvSpPr>
-          <p:nvPr>
-            <p:ph type="body" idx="1"/>
-          </p:nvPr>
-        </p:nvSpPr>
-        <p:spPr/>
-        <p:txBody>
-          <a:bodyPr/>
-          <a:lstStyle/>
-          <a:p>
-            <a:endParaRPr lang="hu-HU"/>
-          </a:p>
-        </p:txBody>
-      </p:sp>
-      <p:sp>
-        <p:nvSpPr>
-          <p:cNvPr id="4" name="Dia számának helye 3"/>
-          <p:cNvSpPr>
-            <a:spLocks noGrp="1"/>
-          </p:cNvSpPr>
-          <p:nvPr>
-            <p:ph type="sldNum" sz="quarter" idx="10"/>
-          </p:nvPr>
-        </p:nvSpPr>
-        <p:spPr/>
-        <p:txBody>
-          <a:bodyPr/>
-          <a:lstStyle/>
-          <a:p>
-            <a:pPr rtl="0"/>
-            <a:fld id="{1B9A179D-2D27-49E2-B022-8EDDA2EFE682}" type="slidenum">
-              <a:rPr lang="hu-HU" smtClean="0"/>
-              <a:t>18</a:t>
-            </a:fld>
-            <a:endParaRPr lang="hu-HU" dirty="0"/>
-          </a:p>
-        </p:txBody>
-      </p:sp>
-    </p:spTree>
-    <p:extLst>
-      <p:ext uri="{BB962C8B-B14F-4D97-AF65-F5344CB8AC3E}">
-        <p14:creationId xmlns:p14="http://schemas.microsoft.com/office/powerpoint/2010/main" val="2708327870"/>
-      </p:ext>
-    </p:extLst>
-  </p:cSld>
-  <p:clrMapOvr>
-    <a:masterClrMapping/>
-  </p:clrMapOvr>
-</p:notes>
-</file>
-
-<file path=ppt/notesSlides/notesSlide19.xml><?xml version="1.0" encoding="utf-8"?>
-<p:notes xmlns:a="http://schemas.openxmlformats.org/drawingml/2006/main" xmlns:r="http://schemas.openxmlformats.org/officeDocument/2006/relationships" xmlns:p="http://schemas.openxmlformats.org/presentationml/2006/main">
-  <p:cSld>
-    <p:spTree>
-      <p:nvGrpSpPr>
-        <p:cNvPr id="1" name=""/>
-        <p:cNvGrpSpPr/>
-        <p:nvPr/>
-      </p:nvGrpSpPr>
-      <p:grpSpPr>
-        <a:xfrm>
-          <a:off x="0" y="0"/>
-          <a:ext cx="0" cy="0"/>
-          <a:chOff x="0" y="0"/>
-          <a:chExt cx="0" cy="0"/>
-        </a:xfrm>
-      </p:grpSpPr>
-      <p:sp>
-        <p:nvSpPr>
-          <p:cNvPr id="2" name="Diakép helye 1"/>
-          <p:cNvSpPr>
-            <a:spLocks noGrp="1" noRot="1" noChangeAspect="1"/>
-          </p:cNvSpPr>
-          <p:nvPr>
-            <p:ph type="sldImg"/>
-          </p:nvPr>
-        </p:nvSpPr>
-        <p:spPr/>
-      </p:sp>
-      <p:sp>
-        <p:nvSpPr>
-          <p:cNvPr id="3" name="Jegyzetek helye 2"/>
-          <p:cNvSpPr>
-            <a:spLocks noGrp="1"/>
-          </p:cNvSpPr>
-          <p:nvPr>
-            <p:ph type="body" idx="1"/>
-          </p:nvPr>
-        </p:nvSpPr>
-        <p:spPr/>
-        <p:txBody>
-          <a:bodyPr/>
-          <a:lstStyle/>
-          <a:p>
-            <a:endParaRPr lang="hu-HU"/>
-          </a:p>
-        </p:txBody>
-      </p:sp>
-      <p:sp>
-        <p:nvSpPr>
-          <p:cNvPr id="4" name="Dia számának helye 3"/>
-          <p:cNvSpPr>
-            <a:spLocks noGrp="1"/>
-          </p:cNvSpPr>
-          <p:nvPr>
-            <p:ph type="sldNum" sz="quarter" idx="10"/>
-          </p:nvPr>
-        </p:nvSpPr>
-        <p:spPr/>
-        <p:txBody>
-          <a:bodyPr/>
-          <a:lstStyle/>
-          <a:p>
-            <a:pPr rtl="0"/>
-            <a:fld id="{1B9A179D-2D27-49E2-B022-8EDDA2EFE682}" type="slidenum">
-              <a:rPr lang="hu-HU" smtClean="0"/>
-              <a:t>19</a:t>
-            </a:fld>
-            <a:endParaRPr lang="hu-HU" dirty="0"/>
-          </a:p>
-        </p:txBody>
-      </p:sp>
-    </p:spTree>
-    <p:extLst>
-      <p:ext uri="{BB962C8B-B14F-4D97-AF65-F5344CB8AC3E}">
-        <p14:creationId xmlns:p14="http://schemas.microsoft.com/office/powerpoint/2010/main" val="1315334661"/>
+        <p14:creationId xmlns:p14="http://schemas.microsoft.com/office/powerpoint/2010/main" val="1945807489"/>
       </p:ext>
     </p:extLst>
   </p:cSld>
@@ -4677,176 +4417,6 @@
     <p:extLst>
       <p:ext uri="{BB962C8B-B14F-4D97-AF65-F5344CB8AC3E}">
         <p14:creationId xmlns:p14="http://schemas.microsoft.com/office/powerpoint/2010/main" val="4267274737"/>
-      </p:ext>
-    </p:extLst>
-  </p:cSld>
-  <p:clrMapOvr>
-    <a:masterClrMapping/>
-  </p:clrMapOvr>
-</p:notes>
-</file>
-
-<file path=ppt/notesSlides/notesSlide20.xml><?xml version="1.0" encoding="utf-8"?>
-<p:notes xmlns:a="http://schemas.openxmlformats.org/drawingml/2006/main" xmlns:r="http://schemas.openxmlformats.org/officeDocument/2006/relationships" xmlns:p="http://schemas.openxmlformats.org/presentationml/2006/main">
-  <p:cSld>
-    <p:spTree>
-      <p:nvGrpSpPr>
-        <p:cNvPr id="1" name=""/>
-        <p:cNvGrpSpPr/>
-        <p:nvPr/>
-      </p:nvGrpSpPr>
-      <p:grpSpPr>
-        <a:xfrm>
-          <a:off x="0" y="0"/>
-          <a:ext cx="0" cy="0"/>
-          <a:chOff x="0" y="0"/>
-          <a:chExt cx="0" cy="0"/>
-        </a:xfrm>
-      </p:grpSpPr>
-      <p:sp>
-        <p:nvSpPr>
-          <p:cNvPr id="2" name="Diakép helye 1"/>
-          <p:cNvSpPr>
-            <a:spLocks noGrp="1" noRot="1" noChangeAspect="1"/>
-          </p:cNvSpPr>
-          <p:nvPr>
-            <p:ph type="sldImg"/>
-          </p:nvPr>
-        </p:nvSpPr>
-        <p:spPr/>
-      </p:sp>
-      <p:sp>
-        <p:nvSpPr>
-          <p:cNvPr id="3" name="Jegyzetek helye 2"/>
-          <p:cNvSpPr>
-            <a:spLocks noGrp="1"/>
-          </p:cNvSpPr>
-          <p:nvPr>
-            <p:ph type="body" idx="1"/>
-          </p:nvPr>
-        </p:nvSpPr>
-        <p:spPr/>
-        <p:txBody>
-          <a:bodyPr/>
-          <a:lstStyle/>
-          <a:p>
-            <a:endParaRPr lang="hu-HU"/>
-          </a:p>
-        </p:txBody>
-      </p:sp>
-      <p:sp>
-        <p:nvSpPr>
-          <p:cNvPr id="4" name="Dia számának helye 3"/>
-          <p:cNvSpPr>
-            <a:spLocks noGrp="1"/>
-          </p:cNvSpPr>
-          <p:nvPr>
-            <p:ph type="sldNum" sz="quarter" idx="10"/>
-          </p:nvPr>
-        </p:nvSpPr>
-        <p:spPr/>
-        <p:txBody>
-          <a:bodyPr/>
-          <a:lstStyle/>
-          <a:p>
-            <a:pPr rtl="0"/>
-            <a:fld id="{1B9A179D-2D27-49E2-B022-8EDDA2EFE682}" type="slidenum">
-              <a:rPr lang="hu-HU" smtClean="0"/>
-              <a:t>20</a:t>
-            </a:fld>
-            <a:endParaRPr lang="hu-HU" dirty="0"/>
-          </a:p>
-        </p:txBody>
-      </p:sp>
-    </p:spTree>
-    <p:extLst>
-      <p:ext uri="{BB962C8B-B14F-4D97-AF65-F5344CB8AC3E}">
-        <p14:creationId xmlns:p14="http://schemas.microsoft.com/office/powerpoint/2010/main" val="4119205532"/>
-      </p:ext>
-    </p:extLst>
-  </p:cSld>
-  <p:clrMapOvr>
-    <a:masterClrMapping/>
-  </p:clrMapOvr>
-</p:notes>
-</file>
-
-<file path=ppt/notesSlides/notesSlide21.xml><?xml version="1.0" encoding="utf-8"?>
-<p:notes xmlns:a="http://schemas.openxmlformats.org/drawingml/2006/main" xmlns:r="http://schemas.openxmlformats.org/officeDocument/2006/relationships" xmlns:p="http://schemas.openxmlformats.org/presentationml/2006/main">
-  <p:cSld>
-    <p:spTree>
-      <p:nvGrpSpPr>
-        <p:cNvPr id="1" name=""/>
-        <p:cNvGrpSpPr/>
-        <p:nvPr/>
-      </p:nvGrpSpPr>
-      <p:grpSpPr>
-        <a:xfrm>
-          <a:off x="0" y="0"/>
-          <a:ext cx="0" cy="0"/>
-          <a:chOff x="0" y="0"/>
-          <a:chExt cx="0" cy="0"/>
-        </a:xfrm>
-      </p:grpSpPr>
-      <p:sp>
-        <p:nvSpPr>
-          <p:cNvPr id="2" name="Diakép helye 1"/>
-          <p:cNvSpPr>
-            <a:spLocks noGrp="1" noRot="1" noChangeAspect="1"/>
-          </p:cNvSpPr>
-          <p:nvPr>
-            <p:ph type="sldImg"/>
-          </p:nvPr>
-        </p:nvSpPr>
-        <p:spPr/>
-      </p:sp>
-      <p:sp>
-        <p:nvSpPr>
-          <p:cNvPr id="3" name="Jegyzetek helye 2"/>
-          <p:cNvSpPr>
-            <a:spLocks noGrp="1"/>
-          </p:cNvSpPr>
-          <p:nvPr>
-            <p:ph type="body" idx="1"/>
-          </p:nvPr>
-        </p:nvSpPr>
-        <p:spPr/>
-        <p:txBody>
-          <a:bodyPr/>
-          <a:lstStyle/>
-          <a:p>
-            <a:endParaRPr lang="hu-HU"/>
-          </a:p>
-        </p:txBody>
-      </p:sp>
-      <p:sp>
-        <p:nvSpPr>
-          <p:cNvPr id="4" name="Dia számának helye 3"/>
-          <p:cNvSpPr>
-            <a:spLocks noGrp="1"/>
-          </p:cNvSpPr>
-          <p:nvPr>
-            <p:ph type="sldNum" sz="quarter" idx="10"/>
-          </p:nvPr>
-        </p:nvSpPr>
-        <p:spPr/>
-        <p:txBody>
-          <a:bodyPr/>
-          <a:lstStyle/>
-          <a:p>
-            <a:pPr rtl="0"/>
-            <a:fld id="{1B9A179D-2D27-49E2-B022-8EDDA2EFE682}" type="slidenum">
-              <a:rPr lang="hu-HU" smtClean="0"/>
-              <a:t>21</a:t>
-            </a:fld>
-            <a:endParaRPr lang="hu-HU" dirty="0"/>
-          </a:p>
-        </p:txBody>
-      </p:sp>
-    </p:spTree>
-    <p:extLst>
-      <p:ext uri="{BB962C8B-B14F-4D97-AF65-F5344CB8AC3E}">
-        <p14:creationId xmlns:p14="http://schemas.microsoft.com/office/powerpoint/2010/main" val="1945807489"/>
       </p:ext>
     </p:extLst>
   </p:cSld>
@@ -6124,7 +5694,7 @@
             <a:pPr rtl="0"/>
             <a:fld id="{61FBBB92-31B6-46BF-83F8-5F73C09075D1}" type="datetime1">
               <a:rPr lang="hu-HU" smtClean="0"/>
-              <a:t>2025. 05. 11.</a:t>
+              <a:t>2025. 05. 19.</a:t>
             </a:fld>
             <a:endParaRPr lang="hu-HU" dirty="0"/>
           </a:p>
@@ -6738,7 +6308,7 @@
             <a:pPr rtl="0"/>
             <a:fld id="{D75D079A-20E6-4441-A0DD-1C29C79F697E}" type="datetime1">
               <a:rPr lang="hu-HU" smtClean="0"/>
-              <a:t>2025. 05. 11.</a:t>
+              <a:t>2025. 05. 19.</a:t>
             </a:fld>
             <a:endParaRPr lang="hu-HU" dirty="0"/>
           </a:p>
@@ -6927,7 +6497,7 @@
             <a:pPr rtl="0"/>
             <a:fld id="{54F9120C-60C1-4CFB-8BEF-267A8435F950}" type="datetime1">
               <a:rPr lang="hu-HU" smtClean="0"/>
-              <a:t>2025. 05. 11.</a:t>
+              <a:t>2025. 05. 19.</a:t>
             </a:fld>
             <a:endParaRPr lang="hu-HU" dirty="0"/>
           </a:p>
@@ -7266,7 +6836,7 @@
             <a:pPr rtl="0"/>
             <a:fld id="{CB07B3AA-D083-42CB-899F-8A8945511659}" type="datetime1">
               <a:rPr lang="hu-HU" smtClean="0"/>
-              <a:t>2025. 05. 11.</a:t>
+              <a:t>2025. 05. 19.</a:t>
             </a:fld>
             <a:endParaRPr lang="hu-HU" dirty="0"/>
           </a:p>
@@ -7464,7 +7034,7 @@
             <a:pPr rtl="0"/>
             <a:fld id="{26307345-D714-4207-A47B-1C176F12354F}" type="datetime1">
               <a:rPr lang="hu-HU" smtClean="0"/>
-              <a:t>2025. 05. 11.</a:t>
+              <a:t>2025. 05. 19.</a:t>
             </a:fld>
             <a:endParaRPr lang="hu-HU" dirty="0"/>
           </a:p>
@@ -8643,7 +8213,7 @@
             <a:pPr rtl="0"/>
             <a:fld id="{A742F9DC-FC17-42CB-944D-B3A09E96C056}" type="datetime1">
               <a:rPr lang="hu-HU" smtClean="0"/>
-              <a:t>2025. 05. 11.</a:t>
+              <a:t>2025. 05. 19.</a:t>
             </a:fld>
             <a:endParaRPr lang="hu-HU" dirty="0"/>
           </a:p>
@@ -9033,7 +8603,7 @@
             <a:pPr rtl="0"/>
             <a:fld id="{0F0C1F6B-2A9F-4376-83B4-6D84A7783A2C}" type="datetime1">
               <a:rPr lang="hu-HU" smtClean="0"/>
-              <a:t>2025. 05. 11.</a:t>
+              <a:t>2025. 05. 19.</a:t>
             </a:fld>
             <a:endParaRPr lang="hu-HU" dirty="0"/>
           </a:p>
@@ -9170,7 +8740,7 @@
             <a:pPr rtl="0"/>
             <a:fld id="{E309AD6F-AE0E-4A33-801A-F7942C5C943C}" type="datetime1">
               <a:rPr lang="hu-HU" smtClean="0"/>
-              <a:t>2025. 05. 11.</a:t>
+              <a:t>2025. 05. 19.</a:t>
             </a:fld>
             <a:endParaRPr lang="hu-HU" dirty="0"/>
           </a:p>
@@ -9283,7 +8853,7 @@
             <a:pPr rtl="0"/>
             <a:fld id="{D0397360-F985-4587-AB08-4C218AA3FE4A}" type="datetime1">
               <a:rPr lang="hu-HU" smtClean="0"/>
-              <a:t>2025. 05. 11.</a:t>
+              <a:t>2025. 05. 19.</a:t>
             </a:fld>
             <a:endParaRPr lang="hu-HU" dirty="0"/>
           </a:p>
@@ -9581,7 +9151,7 @@
             <a:pPr rtl="0"/>
             <a:fld id="{1C9FD6BD-CAE9-4288-8C6C-B7A4A4405C24}" type="datetime1">
               <a:rPr lang="hu-HU" smtClean="0"/>
-              <a:t>2025. 05. 11.</a:t>
+              <a:t>2025. 05. 19.</a:t>
             </a:fld>
             <a:endParaRPr lang="hu-HU" dirty="0"/>
           </a:p>
@@ -9965,7 +9535,7 @@
             <a:pPr rtl="0"/>
             <a:fld id="{FC2E45E6-1410-4866-81AA-E124CC605C26}" type="datetime1">
               <a:rPr lang="hu-HU" smtClean="0"/>
-              <a:t>2025. 05. 11.</a:t>
+              <a:t>2025. 05. 19.</a:t>
             </a:fld>
             <a:endParaRPr lang="hu-HU" dirty="0"/>
           </a:p>
@@ -10785,7 +10355,7 @@
             <a:pPr rtl="0"/>
             <a:r>
               <a:rPr lang="hu-HU" dirty="0"/>
-              <a:t>DUMA a webes</a:t>
+              <a:t>Nehézségek az webfejlesztés során.</a:t>
             </a:r>
           </a:p>
         </p:txBody>
@@ -11002,13 +10572,16 @@
             <a:pPr rtl="0"/>
             <a:r>
               <a:rPr lang="hu-HU" dirty="0"/>
-              <a:t>DUMA az </a:t>
+              <a:t>Nehézségek az </a:t>
             </a:r>
             <a:r>
               <a:rPr lang="hu-HU" dirty="0" err="1"/>
-              <a:t>androidról</a:t>
-            </a:r>
-            <a:endParaRPr lang="hu-HU" dirty="0"/>
+              <a:t>android</a:t>
+            </a:r>
+            <a:r>
+              <a:rPr lang="hu-HU" dirty="0"/>
+              <a:t> fejlesztés során.</a:t>
+            </a:r>
           </a:p>
         </p:txBody>
       </p:sp>
@@ -11286,19 +10859,38 @@
             <a:pPr rtl="0"/>
             <a:r>
               <a:rPr lang="hu-HU" dirty="0"/>
-              <a:t>Diacím hozzáadása – 3</a:t>
-            </a:r>
-          </a:p>
-        </p:txBody>
-      </p:sp>
-      <p:sp>
-        <p:nvSpPr>
-          <p:cNvPr id="11" name="Szöveg helye 10"/>
+              <a:t>Köszönjük a figyelmet!</a:t>
+            </a:r>
+          </a:p>
+        </p:txBody>
+      </p:sp>
+      <p:sp>
+        <p:nvSpPr>
+          <p:cNvPr id="4" name="Kép helyőrzője 3"/>
           <p:cNvSpPr>
             <a:spLocks noGrp="1"/>
           </p:cNvSpPr>
           <p:nvPr>
-            <p:ph type="body" idx="1"/>
+            <p:ph type="pic" idx="1"/>
+          </p:nvPr>
+        </p:nvSpPr>
+        <p:spPr/>
+        <p:txBody>
+          <a:bodyPr/>
+          <a:lstStyle/>
+          <a:p>
+            <a:endParaRPr lang="hu-HU"/>
+          </a:p>
+        </p:txBody>
+      </p:sp>
+      <p:sp>
+        <p:nvSpPr>
+          <p:cNvPr id="5" name="Szöveg helye 4"/>
+          <p:cNvSpPr>
+            <a:spLocks noGrp="1"/>
+          </p:cNvSpPr>
+          <p:nvPr>
+            <p:ph type="body" sz="half" idx="2"/>
           </p:nvPr>
         </p:nvSpPr>
         <p:spPr/>
@@ -11313,52 +10905,31 @@
       </p:sp>
       <p:sp>
         <p:nvSpPr>
-          <p:cNvPr id="12" name="Tartalom helye 11"/>
+          <p:cNvPr id="6" name="Kép helye 5"/>
           <p:cNvSpPr>
             <a:spLocks noGrp="1"/>
           </p:cNvSpPr>
           <p:nvPr>
-            <p:ph sz="half" idx="2"/>
+            <p:ph type="pic" idx="13"/>
           </p:nvPr>
         </p:nvSpPr>
         <p:spPr/>
         <p:txBody>
-          <a:bodyPr rtlCol="0"/>
+          <a:bodyPr/>
           <a:lstStyle/>
           <a:p>
-            <a:pPr rtl="0"/>
-            <a:endParaRPr lang="hu-HU" dirty="0"/>
-          </a:p>
-        </p:txBody>
-      </p:sp>
-      <p:sp>
-        <p:nvSpPr>
-          <p:cNvPr id="13" name="Szöveg helye 12"/>
+            <a:endParaRPr lang="hu-HU"/>
+          </a:p>
+        </p:txBody>
+      </p:sp>
+      <p:sp>
+        <p:nvSpPr>
+          <p:cNvPr id="11" name="Szöveg helye 10"/>
           <p:cNvSpPr>
             <a:spLocks noGrp="1"/>
           </p:cNvSpPr>
           <p:nvPr>
-            <p:ph type="body" sz="quarter" idx="3"/>
-          </p:nvPr>
-        </p:nvSpPr>
-        <p:spPr/>
-        <p:txBody>
-          <a:bodyPr rtlCol="0"/>
-          <a:lstStyle/>
-          <a:p>
-            <a:pPr rtl="0"/>
-            <a:endParaRPr lang="hu-HU" dirty="0"/>
-          </a:p>
-        </p:txBody>
-      </p:sp>
-      <p:sp>
-        <p:nvSpPr>
-          <p:cNvPr id="14" name="Tartalom helye 13"/>
-          <p:cNvSpPr>
-            <a:spLocks noGrp="1"/>
-          </p:cNvSpPr>
-          <p:nvPr>
-            <p:ph sz="quarter" idx="4"/>
+            <p:ph type="body" sz="half" idx="14"/>
           </p:nvPr>
         </p:nvSpPr>
         <p:spPr/>
@@ -11374,219 +10945,7 @@
     </p:spTree>
     <p:extLst>
       <p:ext uri="{BB962C8B-B14F-4D97-AF65-F5344CB8AC3E}">
-        <p14:creationId xmlns:p14="http://schemas.microsoft.com/office/powerpoint/2010/main" val="737118897"/>
-      </p:ext>
-    </p:extLst>
-  </p:cSld>
-  <p:clrMapOvr>
-    <a:masterClrMapping/>
-  </p:clrMapOvr>
-  <mc:AlternateContent xmlns:mc="http://schemas.openxmlformats.org/markup-compatibility/2006" xmlns:p14="http://schemas.microsoft.com/office/powerpoint/2010/main">
-    <mc:Choice Requires="p14">
-      <p:transition spd="med" p14:dur="700">
-        <p:fade/>
-      </p:transition>
-    </mc:Choice>
-    <mc:Fallback xmlns="">
-      <p:transition spd="med">
-        <p:fade/>
-      </p:transition>
-    </mc:Fallback>
-  </mc:AlternateContent>
-</p:sld>
-</file>
-
-<file path=ppt/slides/slide17.xml><?xml version="1.0" encoding="utf-8"?>
-<p:sld xmlns:a="http://schemas.openxmlformats.org/drawingml/2006/main" xmlns:r="http://schemas.openxmlformats.org/officeDocument/2006/relationships" xmlns:p="http://schemas.openxmlformats.org/presentationml/2006/main">
-  <p:cSld>
-    <p:spTree>
-      <p:nvGrpSpPr>
-        <p:cNvPr id="1" name=""/>
-        <p:cNvGrpSpPr/>
-        <p:nvPr/>
-      </p:nvGrpSpPr>
-      <p:grpSpPr>
-        <a:xfrm>
-          <a:off x="0" y="0"/>
-          <a:ext cx="0" cy="0"/>
-          <a:chOff x="0" y="0"/>
-          <a:chExt cx="0" cy="0"/>
-        </a:xfrm>
-      </p:grpSpPr>
-      <p:sp>
-        <p:nvSpPr>
-          <p:cNvPr id="2" name="Cím 1"/>
-          <p:cNvSpPr>
-            <a:spLocks noGrp="1"/>
-          </p:cNvSpPr>
-          <p:nvPr>
-            <p:ph type="title"/>
-          </p:nvPr>
-        </p:nvSpPr>
-        <p:spPr/>
-        <p:txBody>
-          <a:bodyPr rtlCol="0"/>
-          <a:lstStyle/>
-          <a:p>
-            <a:pPr rtl="0"/>
-            <a:r>
-              <a:rPr lang="hu-HU" dirty="0"/>
-              <a:t>Diacím hozzáadása – 4</a:t>
-            </a:r>
-          </a:p>
-        </p:txBody>
-      </p:sp>
-    </p:spTree>
-    <p:extLst>
-      <p:ext uri="{BB962C8B-B14F-4D97-AF65-F5344CB8AC3E}">
-        <p14:creationId xmlns:p14="http://schemas.microsoft.com/office/powerpoint/2010/main" val="3061729273"/>
-      </p:ext>
-    </p:extLst>
-  </p:cSld>
-  <p:clrMapOvr>
-    <a:masterClrMapping/>
-  </p:clrMapOvr>
-  <mc:AlternateContent xmlns:mc="http://schemas.openxmlformats.org/markup-compatibility/2006" xmlns:p14="http://schemas.microsoft.com/office/powerpoint/2010/main">
-    <mc:Choice Requires="p14">
-      <p:transition spd="med" p14:dur="700">
-        <p:fade/>
-      </p:transition>
-    </mc:Choice>
-    <mc:Fallback xmlns="">
-      <p:transition spd="med">
-        <p:fade/>
-      </p:transition>
-    </mc:Fallback>
-  </mc:AlternateContent>
-</p:sld>
-</file>
-
-<file path=ppt/slides/slide18.xml><?xml version="1.0" encoding="utf-8"?>
-<p:sld xmlns:a="http://schemas.openxmlformats.org/drawingml/2006/main" xmlns:r="http://schemas.openxmlformats.org/officeDocument/2006/relationships" xmlns:p="http://schemas.openxmlformats.org/presentationml/2006/main">
-  <p:cSld>
-    <p:spTree>
-      <p:nvGrpSpPr>
-        <p:cNvPr id="1" name=""/>
-        <p:cNvGrpSpPr/>
-        <p:nvPr/>
-      </p:nvGrpSpPr>
-      <p:grpSpPr>
-        <a:xfrm>
-          <a:off x="0" y="0"/>
-          <a:ext cx="0" cy="0"/>
-          <a:chOff x="0" y="0"/>
-          <a:chExt cx="0" cy="0"/>
-        </a:xfrm>
-      </p:grpSpPr>
-    </p:spTree>
-    <p:extLst>
-      <p:ext uri="{BB962C8B-B14F-4D97-AF65-F5344CB8AC3E}">
-        <p14:creationId xmlns:p14="http://schemas.microsoft.com/office/powerpoint/2010/main" val="1455343978"/>
-      </p:ext>
-    </p:extLst>
-  </p:cSld>
-  <p:clrMapOvr>
-    <a:masterClrMapping/>
-  </p:clrMapOvr>
-  <mc:AlternateContent xmlns:mc="http://schemas.openxmlformats.org/markup-compatibility/2006" xmlns:p14="http://schemas.microsoft.com/office/powerpoint/2010/main">
-    <mc:Choice Requires="p14">
-      <p:transition spd="med" p14:dur="700">
-        <p:fade/>
-      </p:transition>
-    </mc:Choice>
-    <mc:Fallback xmlns="">
-      <p:transition spd="med">
-        <p:fade/>
-      </p:transition>
-    </mc:Fallback>
-  </mc:AlternateContent>
-</p:sld>
-</file>
-
-<file path=ppt/slides/slide19.xml><?xml version="1.0" encoding="utf-8"?>
-<p:sld xmlns:a="http://schemas.openxmlformats.org/drawingml/2006/main" xmlns:r="http://schemas.openxmlformats.org/officeDocument/2006/relationships" xmlns:p="http://schemas.openxmlformats.org/presentationml/2006/main">
-  <p:cSld>
-    <p:spTree>
-      <p:nvGrpSpPr>
-        <p:cNvPr id="1" name=""/>
-        <p:cNvGrpSpPr/>
-        <p:nvPr/>
-      </p:nvGrpSpPr>
-      <p:grpSpPr>
-        <a:xfrm>
-          <a:off x="0" y="0"/>
-          <a:ext cx="0" cy="0"/>
-          <a:chOff x="0" y="0"/>
-          <a:chExt cx="0" cy="0"/>
-        </a:xfrm>
-      </p:grpSpPr>
-      <p:sp>
-        <p:nvSpPr>
-          <p:cNvPr id="2" name="Cím 1"/>
-          <p:cNvSpPr>
-            <a:spLocks noGrp="1"/>
-          </p:cNvSpPr>
-          <p:nvPr>
-            <p:ph type="title"/>
-          </p:nvPr>
-        </p:nvSpPr>
-        <p:spPr/>
-        <p:txBody>
-          <a:bodyPr rtlCol="0"/>
-          <a:lstStyle/>
-          <a:p>
-            <a:pPr rtl="0"/>
-            <a:r>
-              <a:rPr lang="hu-HU" dirty="0"/>
-              <a:t>Diacím hozzáadása – 5</a:t>
-            </a:r>
-          </a:p>
-        </p:txBody>
-      </p:sp>
-      <p:sp>
-        <p:nvSpPr>
-          <p:cNvPr id="5" name="Tartalom helye 4"/>
-          <p:cNvSpPr>
-            <a:spLocks noGrp="1"/>
-          </p:cNvSpPr>
-          <p:nvPr>
-            <p:ph idx="1"/>
-          </p:nvPr>
-        </p:nvSpPr>
-        <p:spPr/>
-        <p:txBody>
-          <a:bodyPr rtlCol="0"/>
-          <a:lstStyle/>
-          <a:p>
-            <a:pPr rtl="0"/>
-            <a:endParaRPr lang="hu-HU" dirty="0"/>
-          </a:p>
-        </p:txBody>
-      </p:sp>
-      <p:sp>
-        <p:nvSpPr>
-          <p:cNvPr id="6" name="Szöveg helye 5"/>
-          <p:cNvSpPr>
-            <a:spLocks noGrp="1"/>
-          </p:cNvSpPr>
-          <p:nvPr>
-            <p:ph type="body" sz="half" idx="2"/>
-          </p:nvPr>
-        </p:nvSpPr>
-        <p:spPr/>
-        <p:txBody>
-          <a:bodyPr rtlCol="0"/>
-          <a:lstStyle/>
-          <a:p>
-            <a:pPr rtl="0"/>
-            <a:endParaRPr lang="hu-HU" dirty="0"/>
-          </a:p>
-        </p:txBody>
-      </p:sp>
-    </p:spTree>
-    <p:extLst>
-      <p:ext uri="{BB962C8B-B14F-4D97-AF65-F5344CB8AC3E}">
-        <p14:creationId xmlns:p14="http://schemas.microsoft.com/office/powerpoint/2010/main" val="332843759"/>
+        <p14:creationId xmlns:p14="http://schemas.microsoft.com/office/powerpoint/2010/main" val="188841400"/>
       </p:ext>
     </p:extLst>
   </p:cSld>
@@ -12044,253 +11403,6 @@
     <p:extLst>
       <p:ext uri="{BB962C8B-B14F-4D97-AF65-F5344CB8AC3E}">
         <p14:creationId xmlns:p14="http://schemas.microsoft.com/office/powerpoint/2010/main" val="3639872359"/>
-      </p:ext>
-    </p:extLst>
-  </p:cSld>
-  <p:clrMapOvr>
-    <a:masterClrMapping/>
-  </p:clrMapOvr>
-  <mc:AlternateContent xmlns:mc="http://schemas.openxmlformats.org/markup-compatibility/2006" xmlns:p14="http://schemas.microsoft.com/office/powerpoint/2010/main">
-    <mc:Choice Requires="p14">
-      <p:transition spd="med" p14:dur="700">
-        <p:fade/>
-      </p:transition>
-    </mc:Choice>
-    <mc:Fallback xmlns="">
-      <p:transition spd="med">
-        <p:fade/>
-      </p:transition>
-    </mc:Fallback>
-  </mc:AlternateContent>
-</p:sld>
-</file>
-
-<file path=ppt/slides/slide20.xml><?xml version="1.0" encoding="utf-8"?>
-<p:sld xmlns:a="http://schemas.openxmlformats.org/drawingml/2006/main" xmlns:r="http://schemas.openxmlformats.org/officeDocument/2006/relationships" xmlns:p="http://schemas.openxmlformats.org/presentationml/2006/main">
-  <p:cSld>
-    <p:spTree>
-      <p:nvGrpSpPr>
-        <p:cNvPr id="1" name=""/>
-        <p:cNvGrpSpPr/>
-        <p:nvPr/>
-      </p:nvGrpSpPr>
-      <p:grpSpPr>
-        <a:xfrm>
-          <a:off x="0" y="0"/>
-          <a:ext cx="0" cy="0"/>
-          <a:chOff x="0" y="0"/>
-          <a:chExt cx="0" cy="0"/>
-        </a:xfrm>
-      </p:grpSpPr>
-      <p:sp>
-        <p:nvSpPr>
-          <p:cNvPr id="2" name="Cím 1"/>
-          <p:cNvSpPr>
-            <a:spLocks noGrp="1"/>
-          </p:cNvSpPr>
-          <p:nvPr>
-            <p:ph type="title"/>
-          </p:nvPr>
-        </p:nvSpPr>
-        <p:spPr/>
-        <p:txBody>
-          <a:bodyPr rtlCol="0"/>
-          <a:lstStyle/>
-          <a:p>
-            <a:pPr rtl="0"/>
-            <a:r>
-              <a:rPr lang="hu-HU" dirty="0"/>
-              <a:t>Diacím hozzáadása – 6</a:t>
-            </a:r>
-          </a:p>
-        </p:txBody>
-      </p:sp>
-      <p:sp>
-        <p:nvSpPr>
-          <p:cNvPr id="5" name="Kép helyőrzője 4" descr="Üres helyőrző kép hozzáadásához. Kattintson a helyőrzőre, és jelölje ki a hozzáadni kívánt képet"/>
-          <p:cNvSpPr>
-            <a:spLocks noGrp="1"/>
-          </p:cNvSpPr>
-          <p:nvPr>
-            <p:ph type="pic" idx="1"/>
-          </p:nvPr>
-        </p:nvSpPr>
-        <p:spPr/>
-        <p:txBody>
-          <a:bodyPr/>
-          <a:lstStyle/>
-          <a:p>
-            <a:endParaRPr lang="hu-HU"/>
-          </a:p>
-        </p:txBody>
-      </p:sp>
-      <p:sp>
-        <p:nvSpPr>
-          <p:cNvPr id="6" name="Szöveg helye 5"/>
-          <p:cNvSpPr>
-            <a:spLocks noGrp="1"/>
-          </p:cNvSpPr>
-          <p:nvPr>
-            <p:ph type="body" sz="half" idx="2"/>
-          </p:nvPr>
-        </p:nvSpPr>
-        <p:spPr/>
-        <p:txBody>
-          <a:bodyPr rtlCol="0"/>
-          <a:lstStyle/>
-          <a:p>
-            <a:pPr rtl="0"/>
-            <a:endParaRPr lang="hu-HU" dirty="0"/>
-          </a:p>
-        </p:txBody>
-      </p:sp>
-    </p:spTree>
-    <p:extLst>
-      <p:ext uri="{BB962C8B-B14F-4D97-AF65-F5344CB8AC3E}">
-        <p14:creationId xmlns:p14="http://schemas.microsoft.com/office/powerpoint/2010/main" val="4129926194"/>
-      </p:ext>
-    </p:extLst>
-  </p:cSld>
-  <p:clrMapOvr>
-    <a:masterClrMapping/>
-  </p:clrMapOvr>
-  <mc:AlternateContent xmlns:mc="http://schemas.openxmlformats.org/markup-compatibility/2006" xmlns:p14="http://schemas.microsoft.com/office/powerpoint/2010/main">
-    <mc:Choice Requires="p14">
-      <p:transition spd="med" p14:dur="700">
-        <p:fade/>
-      </p:transition>
-    </mc:Choice>
-    <mc:Fallback xmlns="">
-      <p:transition spd="med">
-        <p:fade/>
-      </p:transition>
-    </mc:Fallback>
-  </mc:AlternateContent>
-</p:sld>
-</file>
-
-<file path=ppt/slides/slide21.xml><?xml version="1.0" encoding="utf-8"?>
-<p:sld xmlns:a="http://schemas.openxmlformats.org/drawingml/2006/main" xmlns:r="http://schemas.openxmlformats.org/officeDocument/2006/relationships" xmlns:p="http://schemas.openxmlformats.org/presentationml/2006/main">
-  <p:cSld>
-    <p:spTree>
-      <p:nvGrpSpPr>
-        <p:cNvPr id="1" name=""/>
-        <p:cNvGrpSpPr/>
-        <p:nvPr/>
-      </p:nvGrpSpPr>
-      <p:grpSpPr>
-        <a:xfrm>
-          <a:off x="0" y="0"/>
-          <a:ext cx="0" cy="0"/>
-          <a:chOff x="0" y="0"/>
-          <a:chExt cx="0" cy="0"/>
-        </a:xfrm>
-      </p:grpSpPr>
-      <p:sp>
-        <p:nvSpPr>
-          <p:cNvPr id="2" name="Cím 1"/>
-          <p:cNvSpPr>
-            <a:spLocks noGrp="1"/>
-          </p:cNvSpPr>
-          <p:nvPr>
-            <p:ph type="title"/>
-          </p:nvPr>
-        </p:nvSpPr>
-        <p:spPr/>
-        <p:txBody>
-          <a:bodyPr rtlCol="0"/>
-          <a:lstStyle/>
-          <a:p>
-            <a:pPr rtl="0"/>
-            <a:r>
-              <a:rPr lang="hu-HU" dirty="0"/>
-              <a:t>Diacím hozzáadása – 7</a:t>
-            </a:r>
-          </a:p>
-        </p:txBody>
-      </p:sp>
-      <p:sp>
-        <p:nvSpPr>
-          <p:cNvPr id="4" name="Kép helyőrzője 3"/>
-          <p:cNvSpPr>
-            <a:spLocks noGrp="1"/>
-          </p:cNvSpPr>
-          <p:nvPr>
-            <p:ph type="pic" idx="1"/>
-          </p:nvPr>
-        </p:nvSpPr>
-        <p:spPr/>
-        <p:txBody>
-          <a:bodyPr/>
-          <a:lstStyle/>
-          <a:p>
-            <a:endParaRPr lang="hu-HU"/>
-          </a:p>
-        </p:txBody>
-      </p:sp>
-      <p:sp>
-        <p:nvSpPr>
-          <p:cNvPr id="5" name="Szöveg helye 4"/>
-          <p:cNvSpPr>
-            <a:spLocks noGrp="1"/>
-          </p:cNvSpPr>
-          <p:nvPr>
-            <p:ph type="body" sz="half" idx="2"/>
-          </p:nvPr>
-        </p:nvSpPr>
-        <p:spPr/>
-        <p:txBody>
-          <a:bodyPr rtlCol="0"/>
-          <a:lstStyle/>
-          <a:p>
-            <a:pPr rtl="0"/>
-            <a:endParaRPr lang="hu-HU" dirty="0"/>
-          </a:p>
-        </p:txBody>
-      </p:sp>
-      <p:sp>
-        <p:nvSpPr>
-          <p:cNvPr id="6" name="Kép helye 5"/>
-          <p:cNvSpPr>
-            <a:spLocks noGrp="1"/>
-          </p:cNvSpPr>
-          <p:nvPr>
-            <p:ph type="pic" idx="13"/>
-          </p:nvPr>
-        </p:nvSpPr>
-        <p:spPr/>
-        <p:txBody>
-          <a:bodyPr/>
-          <a:lstStyle/>
-          <a:p>
-            <a:endParaRPr lang="hu-HU"/>
-          </a:p>
-        </p:txBody>
-      </p:sp>
-      <p:sp>
-        <p:nvSpPr>
-          <p:cNvPr id="11" name="Szöveg helye 10"/>
-          <p:cNvSpPr>
-            <a:spLocks noGrp="1"/>
-          </p:cNvSpPr>
-          <p:nvPr>
-            <p:ph type="body" sz="half" idx="14"/>
-          </p:nvPr>
-        </p:nvSpPr>
-        <p:spPr/>
-        <p:txBody>
-          <a:bodyPr rtlCol="0"/>
-          <a:lstStyle/>
-          <a:p>
-            <a:pPr rtl="0"/>
-            <a:endParaRPr lang="hu-HU" dirty="0"/>
-          </a:p>
-        </p:txBody>
-      </p:sp>
-    </p:spTree>
-    <p:extLst>
-      <p:ext uri="{BB962C8B-B14F-4D97-AF65-F5344CB8AC3E}">
-        <p14:creationId xmlns:p14="http://schemas.microsoft.com/office/powerpoint/2010/main" val="188841400"/>
       </p:ext>
     </p:extLst>
   </p:cSld>
@@ -14959,7 +14071,15 @@
             <a:pPr rtl="0"/>
             <a:r>
               <a:rPr lang="hu-HU" dirty="0"/>
-              <a:t>DUMA az asztaliról</a:t>
+              <a:t>Nehézségek az </a:t>
+            </a:r>
+            <a:r>
+              <a:rPr lang="hu-HU"/>
+              <a:t>asztali alkalmazás </a:t>
+            </a:r>
+            <a:r>
+              <a:rPr lang="hu-HU" dirty="0"/>
+              <a:t>fejlesztés során.</a:t>
             </a:r>
           </a:p>
         </p:txBody>
